--- a/DesignExplanation/presentation.pptx
+++ b/DesignExplanation/presentation.pptx
@@ -8,11 +8,12 @@
     <p:sldId id="256" r:id="rId2"/>
     <p:sldId id="257" r:id="rId3"/>
     <p:sldId id="258" r:id="rId4"/>
-    <p:sldId id="259" r:id="rId5"/>
-    <p:sldId id="260" r:id="rId6"/>
-    <p:sldId id="261" r:id="rId7"/>
-    <p:sldId id="262" r:id="rId8"/>
-    <p:sldId id="263" r:id="rId9"/>
+    <p:sldId id="265" r:id="rId5"/>
+    <p:sldId id="259" r:id="rId6"/>
+    <p:sldId id="260" r:id="rId7"/>
+    <p:sldId id="261" r:id="rId8"/>
+    <p:sldId id="262" r:id="rId9"/>
+    <p:sldId id="263" r:id="rId10"/>
   </p:sldIdLst>
   <p:sldSz cx="12192000" cy="6858000"/>
   <p:notesSz cx="6858000" cy="9144000"/>
@@ -14258,7 +14259,7 @@
             </a:pPr>
             <a:r>
               <a:rPr lang="en-US" dirty="0"/>
-              <a:t>  Course number:89211</a:t>
+              <a:t>  Course number: 89211</a:t>
             </a:r>
           </a:p>
           <a:p>
@@ -14346,6 +14347,77 @@
       </p:sp>
       <p:sp>
         <p:nvSpPr>
+          <p:cNvPr id="14" name="TextBox 13">
+            <a:extLst>
+              <a:ext uri="{FF2B5EF4-FFF2-40B4-BE49-F238E27FC236}">
+                <a16:creationId xmlns:a16="http://schemas.microsoft.com/office/drawing/2014/main" id="{B98ADAB2-41B5-48C1-B646-F2669B737985}"/>
+              </a:ext>
+            </a:extLst>
+          </p:cNvPr>
+          <p:cNvSpPr txBox="1"/>
+          <p:nvPr/>
+        </p:nvSpPr>
+        <p:spPr>
+          <a:xfrm>
+            <a:off x="8366891" y="1829457"/>
+            <a:ext cx="3126827" cy="369332"/>
+          </a:xfrm>
+          <a:prstGeom prst="rect">
+            <a:avLst/>
+          </a:prstGeom>
+          <a:noFill/>
+          <a:ln>
+            <a:solidFill>
+              <a:schemeClr val="bg1"/>
+            </a:solidFill>
+          </a:ln>
+        </p:spPr>
+        <p:txBody>
+          <a:bodyPr rot="0" spcFirstLastPara="0" vertOverflow="overflow" horzOverflow="overflow" vert="horz" wrap="square" lIns="91440" tIns="45720" rIns="91440" bIns="45720" numCol="1" spcCol="0" rtlCol="0" fromWordArt="0" anchor="t" anchorCtr="0" forceAA="0" compatLnSpc="1">
+            <a:prstTxWarp prst="textNoShape">
+              <a:avLst/>
+            </a:prstTxWarp>
+            <a:spAutoFit/>
+          </a:bodyPr>
+          <a:lstStyle/>
+          <a:p>
+            <a:pPr algn="l"/>
+            <a:endParaRPr lang="en-US" dirty="0"/>
+          </a:p>
+        </p:txBody>
+      </p:sp>
+      <p:pic>
+        <p:nvPicPr>
+          <p:cNvPr id="15" name="Picture 15">
+            <a:extLst>
+              <a:ext uri="{FF2B5EF4-FFF2-40B4-BE49-F238E27FC236}">
+                <a16:creationId xmlns:a16="http://schemas.microsoft.com/office/drawing/2014/main" id="{607303B1-9D58-4833-AEAD-FF3085B7360E}"/>
+              </a:ext>
+            </a:extLst>
+          </p:cNvPr>
+          <p:cNvPicPr>
+            <a:picLocks noChangeAspect="1"/>
+          </p:cNvPicPr>
+          <p:nvPr/>
+        </p:nvPicPr>
+        <p:blipFill>
+          <a:blip r:embed="rId2"/>
+          <a:stretch>
+            <a:fillRect/>
+          </a:stretch>
+        </p:blipFill>
+        <p:spPr>
+          <a:xfrm>
+            <a:off x="8751753" y="294205"/>
+            <a:ext cx="2678425" cy="5964620"/>
+          </a:xfrm>
+          <a:prstGeom prst="rect">
+            <a:avLst/>
+          </a:prstGeom>
+        </p:spPr>
+      </p:pic>
+      <p:sp>
+        <p:nvSpPr>
           <p:cNvPr id="3" name="Content Placeholder 2">
             <a:extLst>
               <a:ext uri="{FF2B5EF4-FFF2-40B4-BE49-F238E27FC236}">
@@ -14368,25 +14440,89 @@
         </p:spPr>
         <p:txBody>
           <a:bodyPr vert="horz" lIns="91440" tIns="45720" rIns="91440" bIns="45720" rtlCol="0" anchor="t">
-            <a:normAutofit lnSpcReduction="10000"/>
+            <a:normAutofit/>
           </a:bodyPr>
           <a:lstStyle/>
           <a:p>
             <a:r>
               <a:rPr lang="en-US" dirty="0"/>
-              <a:t>The app has one screen, which contains the two main parts of the app.</a:t>
+              <a:t>Single screen – with 2 parts</a:t>
             </a:r>
           </a:p>
           <a:p>
+            <a:pPr lvl="1"/>
+            <a:r>
+              <a:rPr lang="en-US" b="1" dirty="0"/>
+              <a:t>connection section</a:t>
+            </a:r>
             <a:r>
               <a:rPr lang="en-US" dirty="0"/>
-              <a:t>First, we have the connection section, that allows the user to connect to the flight gear simulator.</a:t>
+              <a:t> - let the user set flight gear connection settings and a button to connect/disconnect.</a:t>
             </a:r>
           </a:p>
           <a:p>
+            <a:pPr lvl="1"/>
             <a:r>
               <a:rPr lang="en-US" dirty="0"/>
-              <a:t>Second, we have the joystick itself that allows the user to control the plane, from takeoff to the landing.</a:t>
+              <a:t>Joystick and sliders – control the plane</a:t>
+            </a:r>
+          </a:p>
+        </p:txBody>
+      </p:sp>
+    </p:spTree>
+    <p:extLst>
+      <p:ext uri="{BB962C8B-B14F-4D97-AF65-F5344CB8AC3E}">
+        <p14:creationId xmlns:p14="http://schemas.microsoft.com/office/powerpoint/2010/main" val="234460508"/>
+      </p:ext>
+    </p:extLst>
+  </p:cSld>
+  <p:clrMapOvr>
+    <a:masterClrMapping/>
+  </p:clrMapOvr>
+</p:sld>
+</file>
+
+<file path=ppt/slides/slide4.xml><?xml version="1.0" encoding="utf-8"?>
+<p:sld xmlns:a="http://schemas.openxmlformats.org/drawingml/2006/main" xmlns:r="http://schemas.openxmlformats.org/officeDocument/2006/relationships" xmlns:p="http://schemas.openxmlformats.org/presentationml/2006/main">
+  <p:cSld>
+    <p:spTree>
+      <p:nvGrpSpPr>
+        <p:cNvPr id="1" name=""/>
+        <p:cNvGrpSpPr/>
+        <p:nvPr/>
+      </p:nvGrpSpPr>
+      <p:grpSpPr>
+        <a:xfrm>
+          <a:off x="0" y="0"/>
+          <a:ext cx="0" cy="0"/>
+          <a:chOff x="0" y="0"/>
+          <a:chExt cx="0" cy="0"/>
+        </a:xfrm>
+      </p:grpSpPr>
+      <p:sp>
+        <p:nvSpPr>
+          <p:cNvPr id="2" name="Title 1">
+            <a:extLst>
+              <a:ext uri="{FF2B5EF4-FFF2-40B4-BE49-F238E27FC236}">
+                <a16:creationId xmlns:a16="http://schemas.microsoft.com/office/drawing/2014/main" id="{9DD6F675-B32B-4AD5-897D-08DA5AF50DF4}"/>
+              </a:ext>
+            </a:extLst>
+          </p:cNvPr>
+          <p:cNvSpPr>
+            <a:spLocks noGrp="1"/>
+          </p:cNvSpPr>
+          <p:nvPr>
+            <p:ph type="title"/>
+          </p:nvPr>
+        </p:nvSpPr>
+        <p:spPr/>
+        <p:txBody>
+          <a:bodyPr/>
+          <a:lstStyle/>
+          <a:p>
+            <a:r>
+              <a:rPr lang="en-US" dirty="0"/>
+              <a:t>Nice to have features</a:t>
             </a:r>
           </a:p>
         </p:txBody>
@@ -14434,10 +14570,94 @@
       </p:sp>
       <p:pic>
         <p:nvPicPr>
-          <p:cNvPr id="15" name="Picture 15">
+          <p:cNvPr id="6" name="תמונה 5">
             <a:extLst>
               <a:ext uri="{FF2B5EF4-FFF2-40B4-BE49-F238E27FC236}">
-                <a16:creationId xmlns:a16="http://schemas.microsoft.com/office/drawing/2014/main" id="{607303B1-9D58-4833-AEAD-FF3085B7360E}"/>
+                <a16:creationId xmlns:a16="http://schemas.microsoft.com/office/drawing/2014/main" id="{434BBADB-47B5-433D-9977-AB7D3F3AC3FF}"/>
+              </a:ext>
+            </a:extLst>
+          </p:cNvPr>
+          <p:cNvPicPr>
+            <a:picLocks noChangeAspect="1"/>
+          </p:cNvPicPr>
+          <p:nvPr/>
+        </p:nvPicPr>
+        <p:blipFill rotWithShape="1">
+          <a:blip r:embed="rId2"/>
+          <a:srcRect t="2134" b="3680"/>
+          <a:stretch/>
+        </p:blipFill>
+        <p:spPr>
+          <a:xfrm>
+            <a:off x="959304" y="4074514"/>
+            <a:ext cx="5361582" cy="2623015"/>
+          </a:xfrm>
+          <a:prstGeom prst="rect">
+            <a:avLst/>
+          </a:prstGeom>
+        </p:spPr>
+      </p:pic>
+      <p:sp>
+        <p:nvSpPr>
+          <p:cNvPr id="3" name="Content Placeholder 2">
+            <a:extLst>
+              <a:ext uri="{FF2B5EF4-FFF2-40B4-BE49-F238E27FC236}">
+                <a16:creationId xmlns:a16="http://schemas.microsoft.com/office/drawing/2014/main" id="{7D6C5EE6-5A5D-406E-AA5A-EC7857F7B9C1}"/>
+              </a:ext>
+            </a:extLst>
+          </p:cNvPr>
+          <p:cNvSpPr>
+            <a:spLocks noGrp="1"/>
+          </p:cNvSpPr>
+          <p:nvPr>
+            <p:ph idx="1"/>
+          </p:nvPr>
+        </p:nvSpPr>
+        <p:spPr>
+          <a:xfrm>
+            <a:off x="838200" y="1829457"/>
+            <a:ext cx="7246883" cy="3992355"/>
+          </a:xfrm>
+        </p:spPr>
+        <p:txBody>
+          <a:bodyPr vert="horz" lIns="91440" tIns="45720" rIns="91440" bIns="45720" rtlCol="0" anchor="t">
+            <a:normAutofit/>
+          </a:bodyPr>
+          <a:lstStyle/>
+          <a:p>
+            <a:r>
+              <a:rPr lang="en-US" dirty="0"/>
+              <a:t>3D joystick</a:t>
+            </a:r>
+          </a:p>
+          <a:p>
+            <a:r>
+              <a:rPr lang="en-US" dirty="0"/>
+              <a:t>Connect and disconnect (can change </a:t>
+            </a:r>
+            <a:r>
+              <a:rPr lang="en-US" dirty="0" err="1"/>
+              <a:t>ip</a:t>
+            </a:r>
+            <a:r>
+              <a:rPr lang="en-US" dirty="0"/>
+              <a:t> and port any time)</a:t>
+            </a:r>
+          </a:p>
+          <a:p>
+            <a:r>
+              <a:rPr lang="en-US" dirty="0"/>
+              <a:t>Landscape support</a:t>
+            </a:r>
+          </a:p>
+        </p:txBody>
+      </p:sp>
+      <p:pic>
+        <p:nvPicPr>
+          <p:cNvPr id="5" name="תמונה 4">
+            <a:extLst>
+              <a:ext uri="{FF2B5EF4-FFF2-40B4-BE49-F238E27FC236}">
+                <a16:creationId xmlns:a16="http://schemas.microsoft.com/office/drawing/2014/main" id="{9688F9DC-DB02-4A5A-97A0-150A65FD8E14}"/>
               </a:ext>
             </a:extLst>
           </p:cNvPr>
@@ -14447,15 +14667,75 @@
           <p:nvPr/>
         </p:nvPicPr>
         <p:blipFill>
-          <a:blip r:embed="rId2"/>
+          <a:blip r:embed="rId3"/>
           <a:stretch>
             <a:fillRect/>
           </a:stretch>
         </p:blipFill>
         <p:spPr>
           <a:xfrm>
-            <a:off x="8674519" y="593835"/>
-            <a:ext cx="2678425" cy="5964620"/>
+            <a:off x="8453628" y="2665359"/>
+            <a:ext cx="2525985" cy="1951897"/>
+          </a:xfrm>
+          <a:prstGeom prst="rect">
+            <a:avLst/>
+          </a:prstGeom>
+        </p:spPr>
+      </p:pic>
+      <p:pic>
+        <p:nvPicPr>
+          <p:cNvPr id="8" name="תמונה 7">
+            <a:extLst>
+              <a:ext uri="{FF2B5EF4-FFF2-40B4-BE49-F238E27FC236}">
+                <a16:creationId xmlns:a16="http://schemas.microsoft.com/office/drawing/2014/main" id="{95B178B3-CB17-4799-AB6E-86DB2635F19F}"/>
+              </a:ext>
+            </a:extLst>
+          </p:cNvPr>
+          <p:cNvPicPr>
+            <a:picLocks noChangeAspect="1"/>
+          </p:cNvPicPr>
+          <p:nvPr/>
+        </p:nvPicPr>
+        <p:blipFill>
+          <a:blip r:embed="rId4"/>
+          <a:stretch>
+            <a:fillRect/>
+          </a:stretch>
+        </p:blipFill>
+        <p:spPr>
+          <a:xfrm>
+            <a:off x="6456092" y="639392"/>
+            <a:ext cx="1769895" cy="1887198"/>
+          </a:xfrm>
+          <a:prstGeom prst="rect">
+            <a:avLst/>
+          </a:prstGeom>
+        </p:spPr>
+      </p:pic>
+      <p:pic>
+        <p:nvPicPr>
+          <p:cNvPr id="10" name="תמונה 9">
+            <a:extLst>
+              <a:ext uri="{FF2B5EF4-FFF2-40B4-BE49-F238E27FC236}">
+                <a16:creationId xmlns:a16="http://schemas.microsoft.com/office/drawing/2014/main" id="{7463A2FD-EC2A-43A9-93C0-608F79EF4055}"/>
+              </a:ext>
+            </a:extLst>
+          </p:cNvPr>
+          <p:cNvPicPr>
+            <a:picLocks noChangeAspect="1"/>
+          </p:cNvPicPr>
+          <p:nvPr/>
+        </p:nvPicPr>
+        <p:blipFill>
+          <a:blip r:embed="rId5"/>
+          <a:stretch>
+            <a:fillRect/>
+          </a:stretch>
+        </p:blipFill>
+        <p:spPr>
+          <a:xfrm>
+            <a:off x="8279892" y="653257"/>
+            <a:ext cx="1975104" cy="1873333"/>
           </a:xfrm>
           <a:prstGeom prst="rect">
             <a:avLst/>
@@ -14465,7 +14745,7 @@
     </p:spTree>
     <p:extLst>
       <p:ext uri="{BB962C8B-B14F-4D97-AF65-F5344CB8AC3E}">
-        <p14:creationId xmlns:p14="http://schemas.microsoft.com/office/powerpoint/2010/main" val="234460508"/>
+        <p14:creationId xmlns:p14="http://schemas.microsoft.com/office/powerpoint/2010/main" val="2843367193"/>
       </p:ext>
     </p:extLst>
   </p:cSld>
@@ -14475,7 +14755,7 @@
 </p:sld>
 </file>
 
-<file path=ppt/slides/slide4.xml><?xml version="1.0" encoding="utf-8"?>
+<file path=ppt/slides/slide5.xml><?xml version="1.0" encoding="utf-8"?>
 <p:sld xmlns:a="http://schemas.openxmlformats.org/drawingml/2006/main" xmlns:r="http://schemas.openxmlformats.org/officeDocument/2006/relationships" xmlns:p="http://schemas.openxmlformats.org/presentationml/2006/main">
   <p:cSld>
     <p:spTree>
@@ -14538,25 +14818,19 @@
         </p:nvSpPr>
         <p:spPr>
           <a:xfrm>
-            <a:off x="394570" y="3499181"/>
-            <a:ext cx="10437313" cy="2993836"/>
+            <a:off x="386406" y="3429000"/>
+            <a:ext cx="10437313" cy="3202810"/>
           </a:xfrm>
         </p:spPr>
         <p:txBody>
           <a:bodyPr vert="horz" lIns="91440" tIns="45720" rIns="91440" bIns="45720" rtlCol="0" anchor="t">
-            <a:normAutofit fontScale="92500" lnSpcReduction="10000"/>
+            <a:normAutofit/>
           </a:bodyPr>
           <a:lstStyle/>
           <a:p>
             <a:r>
               <a:rPr lang="en-US" sz="1800" dirty="0"/>
-              <a:t>As the title says, in our app we used the MVVM architecture.</a:t>
-            </a:r>
-          </a:p>
-          <a:p>
-            <a:r>
-              <a:rPr lang="en-US" sz="1800" dirty="0"/>
-              <a:t>The code was organized in three packages: model, view and </a:t>
+              <a:t>The code is organized in three packages: model, view and </a:t>
             </a:r>
             <a:r>
               <a:rPr lang="en-US" sz="1800" dirty="0" err="1"/>
@@ -14569,8 +14843,12 @@
           </a:p>
           <a:p>
             <a:r>
+              <a:rPr lang="en-US" sz="1800" b="1" dirty="0"/>
+              <a:t>View</a:t>
+            </a:r>
+            <a:r>
               <a:rPr lang="en-US" sz="1800" dirty="0"/>
-              <a:t>The view package contains the three main views, the joystick, the throttle and rudder bars and the </a:t>
+              <a:t> -  contains the three main views: joystick, throttle and rudder sliders and </a:t>
             </a:r>
             <a:r>
               <a:rPr lang="en-US" sz="1800" dirty="0" err="1"/>
@@ -14578,49 +14856,44 @@
             </a:r>
             <a:r>
               <a:rPr lang="en-US" sz="1800" dirty="0"/>
-              <a:t>. They are responsible for showing and managing all the GUI components. The of the views uses data binding to update the </a:t>
+              <a:t>. They are responsible for showing and managing all the GUI components.</a:t>
+            </a:r>
+            <a:br>
+              <a:rPr lang="en-US" sz="1800" dirty="0"/>
+            </a:br>
+            <a:r>
+              <a:rPr lang="en-US" sz="1800" dirty="0"/>
+              <a:t>We use binding between the </a:t>
             </a:r>
             <a:r>
               <a:rPr lang="en-US" sz="1800" dirty="0" err="1"/>
+              <a:t>ui</a:t>
+            </a:r>
+            <a:r>
+              <a:rPr lang="en-US" sz="1800" dirty="0"/>
+              <a:t> and the variables. </a:t>
+            </a:r>
+          </a:p>
+          <a:p>
+            <a:r>
+              <a:rPr lang="en-US" sz="1800" b="1" dirty="0"/>
+              <a:t>model </a:t>
+            </a:r>
+            <a:r>
+              <a:rPr lang="en-US" sz="1800" dirty="0"/>
+              <a:t>- is responsible for connecting to the simulator and sending the flight commands</a:t>
+            </a:r>
+          </a:p>
+          <a:p>
+            <a:r>
+              <a:rPr lang="en-US" sz="1800" b="1" dirty="0" err="1"/>
               <a:t>viewModel</a:t>
             </a:r>
             <a:r>
               <a:rPr lang="en-US" sz="1800" dirty="0"/>
-              <a:t> when a variable is changed. </a:t>
+              <a:t> – get notify of events and activate the model methods.</a:t>
             </a:r>
-          </a:p>
-          <a:p>
-            <a:r>
-              <a:rPr lang="en-US" sz="1800" dirty="0"/>
-              <a:t>The model is responsible for connecting to the simulator and sending the flight commands</a:t>
-            </a:r>
-          </a:p>
-          <a:p>
-            <a:r>
-              <a:rPr lang="en-US" sz="1800" dirty="0"/>
-              <a:t>When a bound variable is notified as changed by the view, the bound variable in the </a:t>
-            </a:r>
-            <a:r>
-              <a:rPr lang="en-US" sz="1800" dirty="0" err="1"/>
-              <a:t>viewModel</a:t>
-            </a:r>
-            <a:r>
-              <a:rPr lang="en-US" sz="1800" dirty="0"/>
-              <a:t> also changes and the </a:t>
-            </a:r>
-            <a:r>
-              <a:rPr lang="en-US" sz="1800" dirty="0" err="1"/>
-              <a:t>viewModel</a:t>
-            </a:r>
-            <a:r>
-              <a:rPr lang="en-US" sz="1800" dirty="0"/>
-              <a:t> is responsible of sending the corresponding command to the model. </a:t>
-            </a:r>
-            <a:r>
-              <a:rPr lang="en-US" dirty="0"/>
-              <a:t>  </a:t>
-            </a:r>
-            <a:endParaRPr lang="en-US"/>
+            <a:endParaRPr lang="en-US" dirty="0"/>
           </a:p>
         </p:txBody>
       </p:sp>
@@ -14697,7 +14970,7 @@
 </p:sld>
 </file>
 
-<file path=ppt/slides/slide5.xml><?xml version="1.0" encoding="utf-8"?>
+<file path=ppt/slides/slide6.xml><?xml version="1.0" encoding="utf-8"?>
 <p:sld xmlns:a="http://schemas.openxmlformats.org/drawingml/2006/main" xmlns:r="http://schemas.openxmlformats.org/officeDocument/2006/relationships" xmlns:p="http://schemas.openxmlformats.org/presentationml/2006/main">
   <p:cSld>
     <p:spTree>
@@ -14775,7 +15048,7 @@
           <a:p>
             <a:r>
               <a:rPr lang="en-US" sz="1600" dirty="0"/>
-              <a:t>Lets demonstrate the data binding between the </a:t>
+              <a:t>Let's demonstrate the data binding between the </a:t>
             </a:r>
             <a:r>
               <a:rPr lang="en-US" sz="1600" dirty="0" err="1"/>
@@ -14811,15 +15084,18 @@
             </a:r>
           </a:p>
           <a:p>
+            <a:pPr marL="0" indent="0">
+              <a:buNone/>
+            </a:pPr>
             <a:r>
               <a:rPr lang="en-US" sz="1600" dirty="0"/>
-              <a:t>                                                                                                      From: activity_main.xml</a:t>
+              <a:t>                                                                                                             From: activity_main.xml</a:t>
             </a:r>
           </a:p>
           <a:p>
             <a:r>
               <a:rPr lang="en-US" sz="1600" dirty="0"/>
-              <a:t>In these two lines of code you can see how the text </a:t>
+              <a:t>In these two lines of code, you can see how the text </a:t>
             </a:r>
             <a:r>
               <a:rPr lang="en-US" sz="1600" dirty="0" err="1"/>
@@ -14874,31 +15150,33 @@
           </a:p>
           <a:p>
             <a:r>
-              <a:rPr lang="en-US" sz="1600" dirty="0"/>
-              <a:t>You can see that the </a:t>
-            </a:r>
-            <a:r>
               <a:rPr lang="en-US" sz="1600" dirty="0" err="1"/>
               <a:t>viewModel</a:t>
             </a:r>
             <a:r>
               <a:rPr lang="en-US" sz="1600" dirty="0"/>
-              <a:t> variable is </a:t>
-            </a:r>
-            <a:r>
-              <a:rPr lang="en-US" sz="1600" dirty="0" err="1"/>
-              <a:t>defiend</a:t>
-            </a:r>
-            <a:r>
-              <a:rPr lang="en-US" sz="1600" dirty="0"/>
-              <a:t> in these code lines from</a:t>
+              <a:t> and model are defined in</a:t>
             </a:r>
             <a:r>
               <a:rPr lang="en-US" sz="1600" dirty="0">
                 <a:ea typeface="+mn-lt"/>
                 <a:cs typeface="+mn-lt"/>
               </a:rPr>
-              <a:t> activity_main.xml:</a:t>
+              <a:t> </a:t>
+            </a:r>
+            <a:r>
+              <a:rPr lang="en-US" sz="1600" b="1" dirty="0">
+                <a:ea typeface="+mn-lt"/>
+                <a:cs typeface="+mn-lt"/>
+              </a:rPr>
+              <a:t>activity_main.xml</a:t>
+            </a:r>
+            <a:r>
+              <a:rPr lang="en-US" sz="1600" dirty="0">
+                <a:ea typeface="+mn-lt"/>
+                <a:cs typeface="+mn-lt"/>
+              </a:rPr>
+              <a:t> for data binding:</a:t>
             </a:r>
           </a:p>
           <a:p>
@@ -14919,24 +15197,29 @@
           <a:p>
             <a:r>
               <a:rPr lang="en-US" sz="1600" dirty="0"/>
-              <a:t>The model variable is also defined here and in a similar way and the </a:t>
+              <a:t>Here the button text and color are changed due to the </a:t>
             </a:r>
             <a:r>
-              <a:rPr lang="en-US" sz="1600" dirty="0" err="1"/>
+              <a:rPr lang="en-US" sz="1600" b="1" dirty="0"/>
+              <a:t>binding of </a:t>
+            </a:r>
+            <a:r>
+              <a:rPr lang="en-US" sz="1600" b="1" dirty="0" err="1"/>
               <a:t>isConnected</a:t>
             </a:r>
             <a:r>
+              <a:rPr lang="en-US" sz="1600" b="1" dirty="0"/>
+              <a:t> </a:t>
+            </a:r>
+            <a:r>
               <a:rPr lang="en-US" sz="1600" dirty="0"/>
-              <a:t> variable from the </a:t>
+              <a:t>var from </a:t>
             </a:r>
             <a:r>
               <a:rPr lang="en-US" sz="1600" dirty="0" err="1"/>
               <a:t>model.kt</a:t>
             </a:r>
-            <a:r>
-              <a:rPr lang="en-US" sz="1600" dirty="0"/>
-              <a:t> file is bound to the connect button text and color attributes:</a:t>
-            </a:r>
+            <a:endParaRPr lang="en-US" sz="1600" dirty="0"/>
           </a:p>
           <a:p>
             <a:endParaRPr lang="en-US" sz="1600" dirty="0"/>
@@ -15067,7 +15350,7 @@
         </p:blipFill>
         <p:spPr>
           <a:xfrm>
-            <a:off x="1093076" y="6088536"/>
+            <a:off x="1256362" y="5859936"/>
             <a:ext cx="7730358" cy="493148"/>
           </a:xfrm>
           <a:prstGeom prst="rect">
@@ -15088,7 +15371,7 @@
 </p:sld>
 </file>
 
-<file path=ppt/slides/slide6.xml><?xml version="1.0" encoding="utf-8"?>
+<file path=ppt/slides/slide7.xml><?xml version="1.0" encoding="utf-8"?>
 <p:sld xmlns:a="http://schemas.openxmlformats.org/drawingml/2006/main" xmlns:r="http://schemas.openxmlformats.org/officeDocument/2006/relationships" xmlns:p="http://schemas.openxmlformats.org/presentationml/2006/main">
   <p:cSld>
     <p:spTree>
@@ -15152,7 +15435,7 @@
         <p:spPr>
           <a:xfrm>
             <a:off x="341243" y="1978550"/>
-            <a:ext cx="7306681" cy="4614880"/>
+            <a:ext cx="7810796" cy="4614880"/>
           </a:xfrm>
         </p:spPr>
         <p:txBody>
@@ -15162,14 +15445,62 @@
           <a:lstStyle/>
           <a:p>
             <a:r>
-              <a:rPr lang="en-US" sz="1800" dirty="0"/>
-              <a:t>For the joystick and seek bars GUI things work a little bit different. </a:t>
+              <a:rPr lang="en-US" sz="1800" dirty="0" err="1"/>
+              <a:t>mainActivity</a:t>
             </a:r>
-          </a:p>
-          <a:p>
             <a:r>
               <a:rPr lang="en-US" sz="1800" dirty="0"/>
-              <a:t>The main activity holds both of this views as global variables. Each of this views contains an object from type IChange interface. In this interface there is only one function, </a:t>
+              <a:t> set the settings for Joystick and </a:t>
+            </a:r>
+            <a:r>
+              <a:rPr lang="en-US" sz="1800" dirty="0" err="1"/>
+              <a:t>SeekBar</a:t>
+            </a:r>
+            <a:r>
+              <a:rPr lang="en-US" sz="1800" dirty="0"/>
+              <a:t> views.</a:t>
+            </a:r>
+          </a:p>
+          <a:p>
+            <a:r>
+              <a:rPr lang="en-US" sz="1800" dirty="0"/>
+              <a:t>Each of this views contains an object from type IChange interface.</a:t>
+            </a:r>
+            <a:br>
+              <a:rPr lang="en-US" sz="1800" dirty="0"/>
+            </a:br>
+            <a:r>
+              <a:rPr lang="en-US" sz="1800" dirty="0"/>
+              <a:t>In this interface there is only one function, </a:t>
+            </a:r>
+            <a:r>
+              <a:rPr lang="en-US" sz="1800" b="1" dirty="0" err="1"/>
+              <a:t>onChange</a:t>
+            </a:r>
+            <a:r>
+              <a:rPr lang="en-US" sz="1800" dirty="0"/>
+              <a:t>.</a:t>
+            </a:r>
+            <a:br>
+              <a:rPr lang="en-US" sz="1800" dirty="0"/>
+            </a:br>
+            <a:r>
+              <a:rPr lang="en-US" sz="1800" dirty="0"/>
+              <a:t>This is strategy design pattern</a:t>
+            </a:r>
+          </a:p>
+          <a:p>
+            <a:r>
+              <a:rPr lang="en-US" sz="1800" dirty="0"/>
+              <a:t>Every view has a public variable </a:t>
+            </a:r>
+            <a:r>
+              <a:rPr lang="en-US" sz="1800" b="1" dirty="0" err="1"/>
+              <a:t>sendUpdateEvent</a:t>
+            </a:r>
+            <a:r>
+              <a:rPr lang="en-US" sz="1800" dirty="0"/>
+              <a:t>, and the view calls the </a:t>
             </a:r>
             <a:r>
               <a:rPr lang="en-US" sz="1800" dirty="0" err="1"/>
@@ -15177,13 +15508,21 @@
             </a:r>
             <a:r>
               <a:rPr lang="en-US" sz="1800" dirty="0"/>
-              <a:t>, receiving two variables, name of the value changed, and the value it changed to. </a:t>
+              <a:t> method which isn’t </a:t>
             </a:r>
-          </a:p>
-          <a:p>
+            <a:r>
+              <a:rPr lang="en-US" sz="1800" dirty="0" err="1"/>
+              <a:t>implmeneted</a:t>
+            </a:r>
             <a:r>
               <a:rPr lang="en-US" sz="1800" dirty="0"/>
-              <a:t>When this two GUI components are created inside the </a:t>
+              <a:t> by the view. </a:t>
+            </a:r>
+          </a:p>
+          <a:p>
+            <a:r>
+              <a:rPr lang="en-US" sz="1800" dirty="0"/>
+              <a:t>When these two GUI components are created inside the </a:t>
             </a:r>
             <a:r>
               <a:rPr lang="en-US" sz="1800" dirty="0" err="1"/>
@@ -15215,7 +15554,13 @@
             </a:r>
             <a:r>
               <a:rPr lang="en-US" sz="1800" dirty="0"/>
-              <a:t> function. The </a:t>
+              <a:t> function.</a:t>
+            </a:r>
+          </a:p>
+          <a:p>
+            <a:r>
+              <a:rPr lang="en-US" sz="1800" dirty="0"/>
+              <a:t>Now the lambda function in the </a:t>
             </a:r>
             <a:r>
               <a:rPr lang="en-US" sz="1800" dirty="0" err="1"/>
@@ -15223,7 +15568,7 @@
             </a:r>
             <a:r>
               <a:rPr lang="en-US" sz="1800" dirty="0"/>
-              <a:t> view holds the </a:t>
+              <a:t> activates the send command method on the </a:t>
             </a:r>
             <a:r>
               <a:rPr lang="en-US" sz="1800" dirty="0" err="1"/>
@@ -15231,13 +15576,7 @@
             </a:r>
             <a:r>
               <a:rPr lang="en-US" sz="1800" dirty="0"/>
-              <a:t> as a global variable. </a:t>
-            </a:r>
-          </a:p>
-          <a:p>
-            <a:r>
-              <a:rPr lang="en-US" sz="1800" dirty="0"/>
-              <a:t>Now the mainActivity view can respond to changes in the joystick and seek bars value, when the user is touching them.</a:t>
+              <a:t>.</a:t>
             </a:r>
           </a:p>
           <a:p>
@@ -15270,7 +15609,7 @@
         </p:blipFill>
         <p:spPr>
           <a:xfrm>
-            <a:off x="7649343" y="2386774"/>
+            <a:off x="7697176" y="1990219"/>
             <a:ext cx="4200939" cy="238616"/>
           </a:xfrm>
           <a:prstGeom prst="rect">
@@ -15300,7 +15639,7 @@
         </p:blipFill>
         <p:spPr>
           <a:xfrm>
-            <a:off x="7895457" y="2766983"/>
+            <a:off x="8014341" y="2774062"/>
             <a:ext cx="3547796" cy="1073187"/>
           </a:xfrm>
           <a:prstGeom prst="rect">
@@ -15330,7 +15669,7 @@
         </p:blipFill>
         <p:spPr>
           <a:xfrm>
-            <a:off x="7895457" y="4052412"/>
+            <a:off x="8014342" y="3991180"/>
             <a:ext cx="3547795" cy="1058107"/>
           </a:xfrm>
           <a:prstGeom prst="rect">
@@ -15360,7 +15699,7 @@
         </p:blipFill>
         <p:spPr>
           <a:xfrm>
-            <a:off x="7462686" y="5278004"/>
+            <a:off x="7058554" y="5380811"/>
             <a:ext cx="4575131" cy="856390"/>
           </a:xfrm>
           <a:prstGeom prst="rect">
@@ -15381,7 +15720,7 @@
 </p:sld>
 </file>
 
-<file path=ppt/slides/slide7.xml><?xml version="1.0" encoding="utf-8"?>
+<file path=ppt/slides/slide8.xml><?xml version="1.0" encoding="utf-8"?>
 <p:sld xmlns:a="http://schemas.openxmlformats.org/drawingml/2006/main" xmlns:r="http://schemas.openxmlformats.org/officeDocument/2006/relationships" xmlns:p="http://schemas.openxmlformats.org/presentationml/2006/main">
   <p:cSld>
     <p:spTree>
@@ -15426,21 +15765,44 @@
           </a:p>
         </p:txBody>
       </p:sp>
+      <p:sp>
+        <p:nvSpPr>
+          <p:cNvPr id="4" name="מציין מיקום תוכן 3">
+            <a:extLst>
+              <a:ext uri="{FF2B5EF4-FFF2-40B4-BE49-F238E27FC236}">
+                <a16:creationId xmlns:a16="http://schemas.microsoft.com/office/drawing/2014/main" id="{94BE2AE2-F124-4CDD-855F-86719F41030A}"/>
+              </a:ext>
+            </a:extLst>
+          </p:cNvPr>
+          <p:cNvSpPr>
+            <a:spLocks noGrp="1"/>
+          </p:cNvSpPr>
+          <p:nvPr>
+            <p:ph idx="1"/>
+          </p:nvPr>
+        </p:nvSpPr>
+        <p:spPr/>
+        <p:txBody>
+          <a:bodyPr/>
+          <a:lstStyle/>
+          <a:p>
+            <a:endParaRPr lang="en-IL"/>
+          </a:p>
+        </p:txBody>
+      </p:sp>
       <p:pic>
         <p:nvPicPr>
-          <p:cNvPr id="9" name="Picture 9" descr="Text&#10;&#10;Description automatically generated">
+          <p:cNvPr id="6" name="תמונה 5">
             <a:extLst>
               <a:ext uri="{FF2B5EF4-FFF2-40B4-BE49-F238E27FC236}">
-                <a16:creationId xmlns:a16="http://schemas.microsoft.com/office/drawing/2014/main" id="{C8F69961-71DD-4B74-BBD8-33CD901097C1}"/>
+                <a16:creationId xmlns:a16="http://schemas.microsoft.com/office/drawing/2014/main" id="{0B05BEC7-7C37-4117-9C31-0320D700AE5E}"/>
               </a:ext>
             </a:extLst>
           </p:cNvPr>
           <p:cNvPicPr>
-            <a:picLocks noGrp="1" noChangeAspect="1"/>
+            <a:picLocks noChangeAspect="1"/>
           </p:cNvPicPr>
-          <p:nvPr>
-            <p:ph idx="1"/>
-          </p:nvPr>
+          <p:nvPr/>
         </p:nvPicPr>
         <p:blipFill>
           <a:blip r:embed="rId2"/>
@@ -15450,9 +15812,12 @@
         </p:blipFill>
         <p:spPr>
           <a:xfrm>
-            <a:off x="363110" y="1383606"/>
-            <a:ext cx="11469990" cy="5679263"/>
+            <a:off x="116840" y="1255112"/>
+            <a:ext cx="12192000" cy="5673656"/>
           </a:xfrm>
+          <a:prstGeom prst="rect">
+            <a:avLst/>
+          </a:prstGeom>
         </p:spPr>
       </p:pic>
     </p:spTree>
@@ -15468,7 +15833,7 @@
 </p:sld>
 </file>
 
-<file path=ppt/slides/slide8.xml><?xml version="1.0" encoding="utf-8"?>
+<file path=ppt/slides/slide9.xml><?xml version="1.0" encoding="utf-8"?>
 <p:sld xmlns:a="http://schemas.openxmlformats.org/drawingml/2006/main" xmlns:r="http://schemas.openxmlformats.org/officeDocument/2006/relationships" xmlns:p="http://schemas.openxmlformats.org/presentationml/2006/main">
   <p:cSld>
     <p:bg>
